--- a/website_graphic.pptx
+++ b/website_graphic.pptx
@@ -10,6 +10,9 @@
     <p:sldId id="262" r:id="rId4"/>
     <p:sldId id="263" r:id="rId5"/>
     <p:sldId id="264" r:id="rId6"/>
+    <p:sldId id="265" r:id="rId7"/>
+    <p:sldId id="266" r:id="rId8"/>
+    <p:sldId id="267" r:id="rId9"/>
   </p:sldIdLst>
   <p:sldSz cx="7772400" cy="10058400"/>
   <p:notesSz cx="6858000" cy="9144000"/>
@@ -108,6 +111,11 @@
       </a:defRPr>
     </a:lvl9pPr>
   </p:defaultTextStyle>
+  <p:extLst>
+    <p:ext uri="{EFAFB233-063F-42B5-8137-9DF3F51BA10A}">
+      <p15:sldGuideLst xmlns:p15="http://schemas.microsoft.com/office/powerpoint/2012/main"/>
+    </p:ext>
+  </p:extLst>
 </p:presentation>
 </file>
 
@@ -3608,36 +3616,6 @@
           </a:prstGeom>
         </p:spPr>
       </p:pic>
-      <p:pic>
-        <p:nvPicPr>
-          <p:cNvPr id="5" name="Picture 4">
-            <a:extLst>
-              <a:ext uri="{FF2B5EF4-FFF2-40B4-BE49-F238E27FC236}">
-                <a16:creationId xmlns:a16="http://schemas.microsoft.com/office/drawing/2014/main" id="{822024E1-64E3-4500-9EA5-0236ABB3E04E}"/>
-              </a:ext>
-            </a:extLst>
-          </p:cNvPr>
-          <p:cNvPicPr>
-            <a:picLocks noChangeAspect="1"/>
-          </p:cNvPicPr>
-          <p:nvPr/>
-        </p:nvPicPr>
-        <p:blipFill>
-          <a:blip r:embed="rId8"/>
-          <a:stretch>
-            <a:fillRect/>
-          </a:stretch>
-        </p:blipFill>
-        <p:spPr>
-          <a:xfrm>
-            <a:off x="2499360" y="7587249"/>
-            <a:ext cx="2773680" cy="2080260"/>
-          </a:xfrm>
-          <a:prstGeom prst="rect">
-            <a:avLst/>
-          </a:prstGeom>
-        </p:spPr>
-      </p:pic>
       <p:sp>
         <p:nvSpPr>
           <p:cNvPr id="8" name="Rectangle 7">
@@ -3698,7 +3676,7 @@
       <p:sp>
         <p:nvSpPr>
           <p:cNvPr id="10" name="Rectangle 9">
-            <a:hlinkClick r:id="rId9" action="ppaction://hlinksldjump"/>
+            <a:hlinkClick r:id="rId8" action="ppaction://hlinksldjump"/>
             <a:extLst>
               <a:ext uri="{FF2B5EF4-FFF2-40B4-BE49-F238E27FC236}">
                 <a16:creationId xmlns:a16="http://schemas.microsoft.com/office/drawing/2014/main" id="{D9A241A5-2E8F-4777-A428-74E9957DBCB4}"/>
@@ -3839,6 +3817,36 @@
           </a:p>
         </p:txBody>
       </p:sp>
+      <p:pic>
+        <p:nvPicPr>
+          <p:cNvPr id="12" name="Picture 11">
+            <a:extLst>
+              <a:ext uri="{FF2B5EF4-FFF2-40B4-BE49-F238E27FC236}">
+                <a16:creationId xmlns:a16="http://schemas.microsoft.com/office/drawing/2014/main" id="{52426B27-DFC0-4849-8DEC-1456B4A13CAE}"/>
+              </a:ext>
+            </a:extLst>
+          </p:cNvPr>
+          <p:cNvPicPr>
+            <a:picLocks noChangeAspect="1"/>
+          </p:cNvPicPr>
+          <p:nvPr/>
+        </p:nvPicPr>
+        <p:blipFill>
+          <a:blip r:embed="rId9"/>
+          <a:stretch>
+            <a:fillRect/>
+          </a:stretch>
+        </p:blipFill>
+        <p:spPr>
+          <a:xfrm>
+            <a:off x="2771518" y="7534691"/>
+            <a:ext cx="2042533" cy="2351673"/>
+          </a:xfrm>
+          <a:prstGeom prst="rect">
+            <a:avLst/>
+          </a:prstGeom>
+        </p:spPr>
+      </p:pic>
     </p:spTree>
     <p:extLst>
       <p:ext uri="{BB962C8B-B14F-4D97-AF65-F5344CB8AC3E}">
@@ -4229,6 +4237,7 @@
       <p:sp>
         <p:nvSpPr>
           <p:cNvPr id="10" name="Rectangle 9">
+            <a:hlinkClick r:id="rId6" action="ppaction://hlinksldjump"/>
             <a:extLst>
               <a:ext uri="{FF2B5EF4-FFF2-40B4-BE49-F238E27FC236}">
                 <a16:creationId xmlns:a16="http://schemas.microsoft.com/office/drawing/2014/main" id="{A6D4304B-40EB-4B8F-A63E-6909752BFC17}"/>
@@ -5809,7 +5818,7 @@
             <a:avLst/>
           </a:prstGeom>
           <a:solidFill>
-            <a:srgbClr val="00B0F0"/>
+            <a:schemeClr val="tx1"/>
           </a:solidFill>
         </p:spPr>
         <p:style>
@@ -5858,7 +5867,7 @@
             <a:avLst/>
           </a:prstGeom>
           <a:solidFill>
-            <a:srgbClr val="00B0F0"/>
+            <a:schemeClr val="tx1"/>
           </a:solidFill>
         </p:spPr>
         <p:style>
@@ -5907,7 +5916,7 @@
             <a:avLst/>
           </a:prstGeom>
           <a:solidFill>
-            <a:srgbClr val="00B0F0"/>
+            <a:schemeClr val="tx1"/>
           </a:solidFill>
         </p:spPr>
         <p:style>
@@ -6412,6 +6421,586 @@
     <p:extLst>
       <p:ext uri="{BB962C8B-B14F-4D97-AF65-F5344CB8AC3E}">
         <p14:creationId xmlns:p14="http://schemas.microsoft.com/office/powerpoint/2010/main" val="3717472692"/>
+      </p:ext>
+    </p:extLst>
+  </p:cSld>
+  <p:clrMapOvr>
+    <a:masterClrMapping/>
+  </p:clrMapOvr>
+</p:sld>
+</file>
+
+<file path=ppt/slides/slide6.xml><?xml version="1.0" encoding="utf-8"?>
+<p:sld xmlns:a="http://schemas.openxmlformats.org/drawingml/2006/main" xmlns:r="http://schemas.openxmlformats.org/officeDocument/2006/relationships" xmlns:p="http://schemas.openxmlformats.org/presentationml/2006/main">
+  <p:cSld>
+    <p:bg>
+      <p:bgPr>
+        <a:solidFill>
+          <a:schemeClr val="tx1"/>
+        </a:solidFill>
+        <a:effectLst/>
+      </p:bgPr>
+    </p:bg>
+    <p:spTree>
+      <p:nvGrpSpPr>
+        <p:cNvPr id="1" name=""/>
+        <p:cNvGrpSpPr/>
+        <p:nvPr/>
+      </p:nvGrpSpPr>
+      <p:grpSpPr>
+        <a:xfrm>
+          <a:off x="0" y="0"/>
+          <a:ext cx="0" cy="0"/>
+          <a:chOff x="0" y="0"/>
+          <a:chExt cx="0" cy="0"/>
+        </a:xfrm>
+      </p:grpSpPr>
+      <p:sp>
+        <p:nvSpPr>
+          <p:cNvPr id="2" name="Rectangle 1">
+            <a:extLst>
+              <a:ext uri="{FF2B5EF4-FFF2-40B4-BE49-F238E27FC236}">
+                <a16:creationId xmlns:a16="http://schemas.microsoft.com/office/drawing/2014/main" id="{B8B36B64-98FD-4208-BFC7-8D55911F4E67}"/>
+              </a:ext>
+            </a:extLst>
+          </p:cNvPr>
+          <p:cNvSpPr/>
+          <p:nvPr/>
+        </p:nvSpPr>
+        <p:spPr>
+          <a:xfrm>
+            <a:off x="2242655" y="1079752"/>
+            <a:ext cx="3287087" cy="923330"/>
+          </a:xfrm>
+          <a:prstGeom prst="rect">
+            <a:avLst/>
+          </a:prstGeom>
+          <a:noFill/>
+        </p:spPr>
+        <p:txBody>
+          <a:bodyPr wrap="square" lIns="91440" tIns="45720" rIns="91440" bIns="45720">
+            <a:spAutoFit/>
+          </a:bodyPr>
+          <a:lstStyle/>
+          <a:p>
+            <a:pPr algn="ctr"/>
+            <a:r>
+              <a:rPr lang="en-US" sz="5400" b="1" cap="none" spc="0" dirty="0">
+                <a:ln w="0"/>
+                <a:solidFill>
+                  <a:schemeClr val="bg1"/>
+                </a:solidFill>
+                <a:effectLst>
+                  <a:outerShdw blurRad="38100" dist="19050" dir="2700000" algn="tl" rotWithShape="0">
+                    <a:schemeClr val="dk1">
+                      <a:alpha val="40000"/>
+                    </a:schemeClr>
+                  </a:outerShdw>
+                </a:effectLst>
+              </a:rPr>
+              <a:t>Fit or Fail</a:t>
+            </a:r>
+          </a:p>
+        </p:txBody>
+      </p:sp>
+      <p:sp>
+        <p:nvSpPr>
+          <p:cNvPr id="4" name="Rectangle 3">
+            <a:hlinkClick r:id="rId2" action="ppaction://hlinksldjump"/>
+            <a:extLst>
+              <a:ext uri="{FF2B5EF4-FFF2-40B4-BE49-F238E27FC236}">
+                <a16:creationId xmlns:a16="http://schemas.microsoft.com/office/drawing/2014/main" id="{BA678F27-FF12-4CFA-BD06-7809A67BCC8D}"/>
+              </a:ext>
+            </a:extLst>
+          </p:cNvPr>
+          <p:cNvSpPr/>
+          <p:nvPr/>
+        </p:nvSpPr>
+        <p:spPr>
+          <a:xfrm>
+            <a:off x="2864028" y="3174274"/>
+            <a:ext cx="2044339" cy="613955"/>
+          </a:xfrm>
+          <a:prstGeom prst="rect">
+            <a:avLst/>
+          </a:prstGeom>
+          <a:solidFill>
+            <a:srgbClr val="00B0F0"/>
+          </a:solidFill>
+        </p:spPr>
+        <p:style>
+          <a:lnRef idx="2">
+            <a:schemeClr val="accent1">
+              <a:shade val="50000"/>
+            </a:schemeClr>
+          </a:lnRef>
+          <a:fillRef idx="1">
+            <a:schemeClr val="accent1"/>
+          </a:fillRef>
+          <a:effectRef idx="0">
+            <a:schemeClr val="accent1"/>
+          </a:effectRef>
+          <a:fontRef idx="minor">
+            <a:schemeClr val="lt1"/>
+          </a:fontRef>
+        </p:style>
+        <p:txBody>
+          <a:bodyPr rtlCol="0" anchor="ctr"/>
+          <a:lstStyle/>
+          <a:p>
+            <a:pPr algn="ctr"/>
+            <a:r>
+              <a:rPr lang="en-US" b="1" dirty="0">
+                <a:solidFill>
+                  <a:schemeClr val="tx1"/>
+                </a:solidFill>
+              </a:rPr>
+              <a:t>START</a:t>
+            </a:r>
+          </a:p>
+        </p:txBody>
+      </p:sp>
+      <p:sp>
+        <p:nvSpPr>
+          <p:cNvPr id="6" name="Rectangle 5">
+            <a:hlinkClick r:id="" action="ppaction://hlinkshowjump?jump=firstslide"/>
+            <a:extLst>
+              <a:ext uri="{FF2B5EF4-FFF2-40B4-BE49-F238E27FC236}">
+                <a16:creationId xmlns:a16="http://schemas.microsoft.com/office/drawing/2014/main" id="{53733628-6B8F-479D-8B2A-268143A72709}"/>
+              </a:ext>
+            </a:extLst>
+          </p:cNvPr>
+          <p:cNvSpPr/>
+          <p:nvPr/>
+        </p:nvSpPr>
+        <p:spPr>
+          <a:xfrm>
+            <a:off x="2864028" y="4850450"/>
+            <a:ext cx="2044340" cy="613955"/>
+          </a:xfrm>
+          <a:prstGeom prst="rect">
+            <a:avLst/>
+          </a:prstGeom>
+          <a:solidFill>
+            <a:srgbClr val="00B0F0"/>
+          </a:solidFill>
+        </p:spPr>
+        <p:style>
+          <a:lnRef idx="2">
+            <a:schemeClr val="accent1">
+              <a:shade val="50000"/>
+            </a:schemeClr>
+          </a:lnRef>
+          <a:fillRef idx="1">
+            <a:schemeClr val="accent1"/>
+          </a:fillRef>
+          <a:effectRef idx="0">
+            <a:schemeClr val="accent1"/>
+          </a:effectRef>
+          <a:fontRef idx="minor">
+            <a:schemeClr val="lt1"/>
+          </a:fontRef>
+        </p:style>
+        <p:txBody>
+          <a:bodyPr rtlCol="0" anchor="ctr"/>
+          <a:lstStyle/>
+          <a:p>
+            <a:pPr algn="ctr"/>
+            <a:r>
+              <a:rPr lang="en-US" b="1" dirty="0">
+                <a:solidFill>
+                  <a:schemeClr val="tx1"/>
+                </a:solidFill>
+              </a:rPr>
+              <a:t>EXIT</a:t>
+            </a:r>
+          </a:p>
+        </p:txBody>
+      </p:sp>
+    </p:spTree>
+    <p:extLst>
+      <p:ext uri="{BB962C8B-B14F-4D97-AF65-F5344CB8AC3E}">
+        <p14:creationId xmlns:p14="http://schemas.microsoft.com/office/powerpoint/2010/main" val="437132013"/>
+      </p:ext>
+    </p:extLst>
+  </p:cSld>
+  <p:clrMapOvr>
+    <a:masterClrMapping/>
+  </p:clrMapOvr>
+</p:sld>
+</file>
+
+<file path=ppt/slides/slide7.xml><?xml version="1.0" encoding="utf-8"?>
+<p:sld xmlns:a="http://schemas.openxmlformats.org/drawingml/2006/main" xmlns:r="http://schemas.openxmlformats.org/officeDocument/2006/relationships" xmlns:p="http://schemas.openxmlformats.org/presentationml/2006/main">
+  <p:cSld>
+    <p:bg>
+      <p:bgPr>
+        <a:solidFill>
+          <a:schemeClr val="tx1"/>
+        </a:solidFill>
+        <a:effectLst/>
+      </p:bgPr>
+    </p:bg>
+    <p:spTree>
+      <p:nvGrpSpPr>
+        <p:cNvPr id="1" name=""/>
+        <p:cNvGrpSpPr/>
+        <p:nvPr/>
+      </p:nvGrpSpPr>
+      <p:grpSpPr>
+        <a:xfrm>
+          <a:off x="0" y="0"/>
+          <a:ext cx="0" cy="0"/>
+          <a:chOff x="0" y="0"/>
+          <a:chExt cx="0" cy="0"/>
+        </a:xfrm>
+      </p:grpSpPr>
+      <p:sp>
+        <p:nvSpPr>
+          <p:cNvPr id="2" name="Rectangle 1">
+            <a:extLst>
+              <a:ext uri="{FF2B5EF4-FFF2-40B4-BE49-F238E27FC236}">
+                <a16:creationId xmlns:a16="http://schemas.microsoft.com/office/drawing/2014/main" id="{B8B36B64-98FD-4208-BFC7-8D55911F4E67}"/>
+              </a:ext>
+            </a:extLst>
+          </p:cNvPr>
+          <p:cNvSpPr/>
+          <p:nvPr/>
+        </p:nvSpPr>
+        <p:spPr>
+          <a:xfrm>
+            <a:off x="2242655" y="1079752"/>
+            <a:ext cx="3287087" cy="1631216"/>
+          </a:xfrm>
+          <a:prstGeom prst="rect">
+            <a:avLst/>
+          </a:prstGeom>
+          <a:noFill/>
+        </p:spPr>
+        <p:txBody>
+          <a:bodyPr wrap="square" lIns="91440" tIns="45720" rIns="91440" bIns="45720">
+            <a:spAutoFit/>
+          </a:bodyPr>
+          <a:lstStyle/>
+          <a:p>
+            <a:pPr algn="ctr"/>
+            <a:r>
+              <a:rPr lang="en-US" sz="5400" b="1" cap="none" spc="0" dirty="0">
+                <a:ln w="0"/>
+                <a:solidFill>
+                  <a:schemeClr val="bg1"/>
+                </a:solidFill>
+                <a:effectLst>
+                  <a:outerShdw blurRad="38100" dist="19050" dir="2700000" algn="tl" rotWithShape="0">
+                    <a:schemeClr val="dk1">
+                      <a:alpha val="40000"/>
+                    </a:schemeClr>
+                  </a:outerShdw>
+                </a:effectLst>
+              </a:rPr>
+              <a:t>Fit or Fail</a:t>
+            </a:r>
+          </a:p>
+          <a:p>
+            <a:pPr algn="ctr"/>
+            <a:endParaRPr lang="en-US" sz="2300" b="1" cap="none" spc="0" dirty="0">
+              <a:ln w="0"/>
+              <a:solidFill>
+                <a:schemeClr val="bg1"/>
+              </a:solidFill>
+              <a:effectLst>
+                <a:outerShdw blurRad="38100" dist="19050" dir="2700000" algn="tl" rotWithShape="0">
+                  <a:schemeClr val="dk1">
+                    <a:alpha val="40000"/>
+                  </a:schemeClr>
+                </a:outerShdw>
+              </a:effectLst>
+            </a:endParaRPr>
+          </a:p>
+          <a:p>
+            <a:pPr algn="ctr"/>
+            <a:r>
+              <a:rPr lang="en-US" sz="2300" b="1" dirty="0">
+                <a:ln w="0"/>
+                <a:solidFill>
+                  <a:schemeClr val="bg1"/>
+                </a:solidFill>
+                <a:effectLst>
+                  <a:outerShdw blurRad="38100" dist="19050" dir="2700000" algn="tl" rotWithShape="0">
+                    <a:schemeClr val="dk1">
+                      <a:alpha val="40000"/>
+                    </a:schemeClr>
+                  </a:outerShdw>
+                </a:effectLst>
+              </a:rPr>
+              <a:t>Mode</a:t>
+            </a:r>
+            <a:endParaRPr lang="en-US" sz="2300" b="1" cap="none" spc="0" dirty="0">
+              <a:ln w="0"/>
+              <a:solidFill>
+                <a:schemeClr val="bg1"/>
+              </a:solidFill>
+              <a:effectLst>
+                <a:outerShdw blurRad="38100" dist="19050" dir="2700000" algn="tl" rotWithShape="0">
+                  <a:schemeClr val="dk1">
+                    <a:alpha val="40000"/>
+                  </a:schemeClr>
+                </a:outerShdw>
+              </a:effectLst>
+            </a:endParaRPr>
+          </a:p>
+        </p:txBody>
+      </p:sp>
+      <p:sp>
+        <p:nvSpPr>
+          <p:cNvPr id="4" name="Rectangle 3">
+            <a:extLst>
+              <a:ext uri="{FF2B5EF4-FFF2-40B4-BE49-F238E27FC236}">
+                <a16:creationId xmlns:a16="http://schemas.microsoft.com/office/drawing/2014/main" id="{BA678F27-FF12-4CFA-BD06-7809A67BCC8D}"/>
+              </a:ext>
+            </a:extLst>
+          </p:cNvPr>
+          <p:cNvSpPr/>
+          <p:nvPr/>
+        </p:nvSpPr>
+        <p:spPr>
+          <a:xfrm>
+            <a:off x="2864030" y="2913017"/>
+            <a:ext cx="2044339" cy="613955"/>
+          </a:xfrm>
+          <a:prstGeom prst="rect">
+            <a:avLst/>
+          </a:prstGeom>
+          <a:solidFill>
+            <a:srgbClr val="00B0F0"/>
+          </a:solidFill>
+        </p:spPr>
+        <p:style>
+          <a:lnRef idx="2">
+            <a:schemeClr val="accent1">
+              <a:shade val="50000"/>
+            </a:schemeClr>
+          </a:lnRef>
+          <a:fillRef idx="1">
+            <a:schemeClr val="accent1"/>
+          </a:fillRef>
+          <a:effectRef idx="0">
+            <a:schemeClr val="accent1"/>
+          </a:effectRef>
+          <a:fontRef idx="minor">
+            <a:schemeClr val="lt1"/>
+          </a:fontRef>
+        </p:style>
+        <p:txBody>
+          <a:bodyPr rtlCol="0" anchor="ctr"/>
+          <a:lstStyle/>
+          <a:p>
+            <a:pPr algn="ctr"/>
+            <a:r>
+              <a:rPr lang="en-US" b="1" dirty="0">
+                <a:solidFill>
+                  <a:schemeClr val="tx1"/>
+                </a:solidFill>
+              </a:rPr>
+              <a:t>Solo</a:t>
+            </a:r>
+          </a:p>
+        </p:txBody>
+      </p:sp>
+      <p:sp>
+        <p:nvSpPr>
+          <p:cNvPr id="5" name="Rectangle 4">
+            <a:extLst>
+              <a:ext uri="{FF2B5EF4-FFF2-40B4-BE49-F238E27FC236}">
+                <a16:creationId xmlns:a16="http://schemas.microsoft.com/office/drawing/2014/main" id="{479F27BE-81EE-467D-A2E4-AAD4B8437F6C}"/>
+              </a:ext>
+            </a:extLst>
+          </p:cNvPr>
+          <p:cNvSpPr/>
+          <p:nvPr/>
+        </p:nvSpPr>
+        <p:spPr>
+          <a:xfrm>
+            <a:off x="2864030" y="4508750"/>
+            <a:ext cx="2044339" cy="613955"/>
+          </a:xfrm>
+          <a:prstGeom prst="rect">
+            <a:avLst/>
+          </a:prstGeom>
+          <a:solidFill>
+            <a:srgbClr val="00B0F0"/>
+          </a:solidFill>
+        </p:spPr>
+        <p:style>
+          <a:lnRef idx="2">
+            <a:schemeClr val="accent1">
+              <a:shade val="50000"/>
+            </a:schemeClr>
+          </a:lnRef>
+          <a:fillRef idx="1">
+            <a:schemeClr val="accent1"/>
+          </a:fillRef>
+          <a:effectRef idx="0">
+            <a:schemeClr val="accent1"/>
+          </a:effectRef>
+          <a:fontRef idx="minor">
+            <a:schemeClr val="lt1"/>
+          </a:fontRef>
+        </p:style>
+        <p:txBody>
+          <a:bodyPr rtlCol="0" anchor="ctr"/>
+          <a:lstStyle/>
+          <a:p>
+            <a:pPr algn="ctr"/>
+            <a:r>
+              <a:rPr lang="en-US" b="1" dirty="0">
+                <a:solidFill>
+                  <a:schemeClr val="tx1"/>
+                </a:solidFill>
+              </a:rPr>
+              <a:t>Team</a:t>
+            </a:r>
+          </a:p>
+        </p:txBody>
+      </p:sp>
+    </p:spTree>
+    <p:extLst>
+      <p:ext uri="{BB962C8B-B14F-4D97-AF65-F5344CB8AC3E}">
+        <p14:creationId xmlns:p14="http://schemas.microsoft.com/office/powerpoint/2010/main" val="2419500522"/>
+      </p:ext>
+    </p:extLst>
+  </p:cSld>
+  <p:clrMapOvr>
+    <a:masterClrMapping/>
+  </p:clrMapOvr>
+</p:sld>
+</file>
+
+<file path=ppt/slides/slide8.xml><?xml version="1.0" encoding="utf-8"?>
+<p:sld xmlns:a="http://schemas.openxmlformats.org/drawingml/2006/main" xmlns:r="http://schemas.openxmlformats.org/officeDocument/2006/relationships" xmlns:p="http://schemas.openxmlformats.org/presentationml/2006/main">
+  <p:cSld>
+    <p:bg>
+      <p:bgPr>
+        <a:solidFill>
+          <a:schemeClr val="tx1"/>
+        </a:solidFill>
+        <a:effectLst/>
+      </p:bgPr>
+    </p:bg>
+    <p:spTree>
+      <p:nvGrpSpPr>
+        <p:cNvPr id="1" name=""/>
+        <p:cNvGrpSpPr/>
+        <p:nvPr/>
+      </p:nvGrpSpPr>
+      <p:grpSpPr>
+        <a:xfrm>
+          <a:off x="0" y="0"/>
+          <a:ext cx="0" cy="0"/>
+          <a:chOff x="0" y="0"/>
+          <a:chExt cx="0" cy="0"/>
+        </a:xfrm>
+      </p:grpSpPr>
+      <p:sp>
+        <p:nvSpPr>
+          <p:cNvPr id="2" name="Rectangle 1">
+            <a:extLst>
+              <a:ext uri="{FF2B5EF4-FFF2-40B4-BE49-F238E27FC236}">
+                <a16:creationId xmlns:a16="http://schemas.microsoft.com/office/drawing/2014/main" id="{B8B36B64-98FD-4208-BFC7-8D55911F4E67}"/>
+              </a:ext>
+            </a:extLst>
+          </p:cNvPr>
+          <p:cNvSpPr/>
+          <p:nvPr/>
+        </p:nvSpPr>
+        <p:spPr>
+          <a:xfrm>
+            <a:off x="2242655" y="1079752"/>
+            <a:ext cx="3287087" cy="923330"/>
+          </a:xfrm>
+          <a:prstGeom prst="rect">
+            <a:avLst/>
+          </a:prstGeom>
+          <a:noFill/>
+        </p:spPr>
+        <p:txBody>
+          <a:bodyPr wrap="square" lIns="91440" tIns="45720" rIns="91440" bIns="45720">
+            <a:spAutoFit/>
+          </a:bodyPr>
+          <a:lstStyle/>
+          <a:p>
+            <a:pPr algn="ctr"/>
+            <a:r>
+              <a:rPr lang="en-US" sz="5400" b="1" cap="none" spc="0" dirty="0">
+                <a:ln w="0"/>
+                <a:solidFill>
+                  <a:schemeClr val="bg1"/>
+                </a:solidFill>
+                <a:effectLst>
+                  <a:outerShdw blurRad="38100" dist="19050" dir="2700000" algn="tl" rotWithShape="0">
+                    <a:schemeClr val="dk1">
+                      <a:alpha val="40000"/>
+                    </a:schemeClr>
+                  </a:outerShdw>
+                </a:effectLst>
+              </a:rPr>
+              <a:t>Fit or Fail</a:t>
+            </a:r>
+          </a:p>
+        </p:txBody>
+      </p:sp>
+      <p:sp>
+        <p:nvSpPr>
+          <p:cNvPr id="3" name="Rectangle 2">
+            <a:extLst>
+              <a:ext uri="{FF2B5EF4-FFF2-40B4-BE49-F238E27FC236}">
+                <a16:creationId xmlns:a16="http://schemas.microsoft.com/office/drawing/2014/main" id="{BF8C9C18-3BEF-4F36-B300-2074BBF937B5}"/>
+              </a:ext>
+            </a:extLst>
+          </p:cNvPr>
+          <p:cNvSpPr/>
+          <p:nvPr/>
+        </p:nvSpPr>
+        <p:spPr>
+          <a:xfrm>
+            <a:off x="-1" y="4567535"/>
+            <a:ext cx="7667897" cy="923330"/>
+          </a:xfrm>
+          <a:prstGeom prst="rect">
+            <a:avLst/>
+          </a:prstGeom>
+          <a:noFill/>
+        </p:spPr>
+        <p:txBody>
+          <a:bodyPr wrap="square" lIns="91440" tIns="45720" rIns="91440" bIns="45720">
+            <a:spAutoFit/>
+          </a:bodyPr>
+          <a:lstStyle/>
+          <a:p>
+            <a:pPr algn="ctr"/>
+            <a:r>
+              <a:rPr lang="en-US" sz="5400" b="0" cap="none" spc="0" dirty="0">
+                <a:ln w="0"/>
+                <a:solidFill>
+                  <a:srgbClr val="FF0000"/>
+                </a:solidFill>
+                <a:effectLst>
+                  <a:outerShdw blurRad="38100" dist="19050" dir="2700000" algn="tl" rotWithShape="0">
+                    <a:schemeClr val="dk1">
+                      <a:alpha val="40000"/>
+                    </a:schemeClr>
+                  </a:outerShdw>
+                </a:effectLst>
+              </a:rPr>
+              <a:t>Game Will Start</a:t>
+            </a:r>
+          </a:p>
+        </p:txBody>
+      </p:sp>
+    </p:spTree>
+    <p:extLst>
+      <p:ext uri="{BB962C8B-B14F-4D97-AF65-F5344CB8AC3E}">
+        <p14:creationId xmlns:p14="http://schemas.microsoft.com/office/powerpoint/2010/main" val="813166347"/>
       </p:ext>
     </p:extLst>
   </p:cSld>
